--- a/Presentationsmaterial/Dokument/1.0 Introduktion, 2013-2014 lp1.pptx
+++ b/Presentationsmaterial/Dokument/1.0 Introduktion, 2013-2014 lp1.pptx
@@ -2962,7 +2962,19 @@
                 <a:latin typeface="Times New Roman" pitchFamily="18" charset="0"/>
                 <a:cs typeface="Times New Roman" pitchFamily="18" charset="0"/>
               </a:rPr>
-              <a:t>(13)</a:t>
+              <a:t>(</a:t>
+            </a:r>
+            <a:r>
+              <a:rPr lang="en-US" sz="700" dirty="0" smtClean="0">
+                <a:solidFill>
+                  <a:schemeClr val="bg1">
+                    <a:lumMod val="75000"/>
+                  </a:schemeClr>
+                </a:solidFill>
+                <a:latin typeface="Times New Roman" pitchFamily="18" charset="0"/>
+                <a:cs typeface="Times New Roman" pitchFamily="18" charset="0"/>
+              </a:rPr>
+              <a:t>18)</a:t>
             </a:r>
             <a:endParaRPr lang="en-US" sz="700" dirty="0">
               <a:solidFill>
@@ -5278,11 +5290,7 @@
             <a:pPr lvl="1"/>
             <a:r>
               <a:rPr lang="sv-SE" dirty="0" smtClean="0"/>
-              <a:t>Ansök på </a:t>
-            </a:r>
-            <a:r>
-              <a:rPr lang="sv-SE" dirty="0" smtClean="0"/>
-              <a:t>MSDN </a:t>
+              <a:t>Ansök på MSDN </a:t>
             </a:r>
             <a:r>
               <a:rPr lang="sv-SE" dirty="0" err="1" smtClean="0"/>
